--- a/rka-reddit/src/main/resources/Notizen/Cloud Naitive.pptx
+++ b/rka-reddit/src/main/resources/Notizen/Cloud Naitive.pptx
@@ -13,6 +13,11 @@
     <p:sldId id="261" r:id="rId7"/>
     <p:sldId id="262" r:id="rId8"/>
     <p:sldId id="263" r:id="rId9"/>
+    <p:sldId id="264" r:id="rId10"/>
+    <p:sldId id="265" r:id="rId11"/>
+    <p:sldId id="266" r:id="rId12"/>
+    <p:sldId id="267" r:id="rId13"/>
+    <p:sldId id="268" r:id="rId14"/>
   </p:sldIdLst>
   <p:sldSz cx="12192000" cy="6858000"/>
   <p:notesSz cx="6858000" cy="9144000"/>
@@ -4207,6 +4212,1352 @@
 </p:sld>
 </file>
 
+<file path=ppt/slides/slide10.xml><?xml version="1.0" encoding="utf-8"?>
+<p:sld xmlns:a="http://schemas.openxmlformats.org/drawingml/2006/main" xmlns:r="http://schemas.openxmlformats.org/officeDocument/2006/relationships" xmlns:p="http://schemas.openxmlformats.org/presentationml/2006/main">
+  <p:cSld>
+    <p:spTree>
+      <p:nvGrpSpPr>
+        <p:cNvPr id="1" name=""/>
+        <p:cNvGrpSpPr/>
+        <p:nvPr/>
+      </p:nvGrpSpPr>
+      <p:grpSpPr>
+        <a:xfrm>
+          <a:off x="0" y="0"/>
+          <a:ext cx="0" cy="0"/>
+          <a:chOff x="0" y="0"/>
+          <a:chExt cx="0" cy="0"/>
+        </a:xfrm>
+      </p:grpSpPr>
+      <p:sp>
+        <p:nvSpPr>
+          <p:cNvPr id="2" name="Titel 1">
+            <a:extLst>
+              <a:ext uri="{FF2B5EF4-FFF2-40B4-BE49-F238E27FC236}">
+                <a16:creationId xmlns:a16="http://schemas.microsoft.com/office/drawing/2014/main" id="{A4F9D479-5973-023A-F663-B81F3C19E98C}"/>
+              </a:ext>
+            </a:extLst>
+          </p:cNvPr>
+          <p:cNvSpPr>
+            <a:spLocks noGrp="1"/>
+          </p:cNvSpPr>
+          <p:nvPr>
+            <p:ph type="title"/>
+          </p:nvPr>
+        </p:nvSpPr>
+        <p:spPr/>
+        <p:txBody>
+          <a:bodyPr>
+            <a:normAutofit fontScale="90000"/>
+          </a:bodyPr>
+          <a:lstStyle/>
+          <a:p>
+            <a:r>
+              <a:rPr lang="de-DE" dirty="0"/>
+              <a:t>Wann passt Cloud-</a:t>
+            </a:r>
+            <a:r>
+              <a:rPr lang="de-DE" dirty="0" err="1"/>
+              <a:t>Naitive</a:t>
+            </a:r>
+            <a:r>
+              <a:rPr lang="de-DE" dirty="0"/>
+              <a:t> nicht zur meiner Software?</a:t>
+            </a:r>
+          </a:p>
+        </p:txBody>
+      </p:sp>
+      <p:sp>
+        <p:nvSpPr>
+          <p:cNvPr id="4" name="Textfeld 3">
+            <a:extLst>
+              <a:ext uri="{FF2B5EF4-FFF2-40B4-BE49-F238E27FC236}">
+                <a16:creationId xmlns:a16="http://schemas.microsoft.com/office/drawing/2014/main" id="{A5BD5EEE-9BAD-BE8D-6597-D429C6763E01}"/>
+              </a:ext>
+            </a:extLst>
+          </p:cNvPr>
+          <p:cNvSpPr txBox="1"/>
+          <p:nvPr/>
+        </p:nvSpPr>
+        <p:spPr>
+          <a:xfrm>
+            <a:off x="813459" y="2594758"/>
+            <a:ext cx="8420190" cy="1477328"/>
+          </a:xfrm>
+          <a:prstGeom prst="rect">
+            <a:avLst/>
+          </a:prstGeom>
+          <a:noFill/>
+          <a:ln>
+            <a:solidFill>
+              <a:schemeClr val="tx2">
+                <a:lumMod val="75000"/>
+                <a:lumOff val="25000"/>
+                <a:alpha val="68000"/>
+              </a:schemeClr>
+            </a:solidFill>
+          </a:ln>
+        </p:spPr>
+        <p:txBody>
+          <a:bodyPr wrap="none" rtlCol="0">
+            <a:spAutoFit/>
+          </a:bodyPr>
+          <a:lstStyle/>
+          <a:p>
+            <a:r>
+              <a:rPr lang="de-DE" dirty="0"/>
+              <a:t>Wenn meine Software meistens an dem selben Ort ausgeführt wird</a:t>
+            </a:r>
+          </a:p>
+          <a:p>
+            <a:r>
+              <a:rPr lang="de-DE" dirty="0"/>
+              <a:t>Wenn meine Software nicht verteilt ist</a:t>
+            </a:r>
+          </a:p>
+          <a:p>
+            <a:r>
+              <a:rPr lang="de-DE" dirty="0"/>
+              <a:t>Wenn meine Software Stabilität gewährleistet, da mikro-services kurzlebig sind</a:t>
+            </a:r>
+          </a:p>
+          <a:p>
+            <a:r>
+              <a:rPr lang="de-DE" dirty="0"/>
+              <a:t>Wenn meine Software keine Rechenressourcen hat</a:t>
+            </a:r>
+            <a:br>
+              <a:rPr lang="de-DE" dirty="0"/>
+            </a:br>
+            <a:r>
+              <a:rPr lang="de-DE" dirty="0"/>
+              <a:t>-das trifft meistens auf IoT zu.</a:t>
+            </a:r>
+          </a:p>
+        </p:txBody>
+      </p:sp>
+      <p:sp>
+        <p:nvSpPr>
+          <p:cNvPr id="5" name="Textfeld 4">
+            <a:extLst>
+              <a:ext uri="{FF2B5EF4-FFF2-40B4-BE49-F238E27FC236}">
+                <a16:creationId xmlns:a16="http://schemas.microsoft.com/office/drawing/2014/main" id="{786DF4F4-6B18-17B5-26D0-4364C72DE2C7}"/>
+              </a:ext>
+            </a:extLst>
+          </p:cNvPr>
+          <p:cNvSpPr txBox="1"/>
+          <p:nvPr/>
+        </p:nvSpPr>
+        <p:spPr>
+          <a:xfrm>
+            <a:off x="794973" y="4279075"/>
+            <a:ext cx="10219529" cy="2308324"/>
+          </a:xfrm>
+          <a:prstGeom prst="rect">
+            <a:avLst/>
+          </a:prstGeom>
+          <a:noFill/>
+          <a:ln>
+            <a:solidFill>
+              <a:schemeClr val="tx2">
+                <a:lumMod val="75000"/>
+                <a:lumOff val="25000"/>
+                <a:alpha val="68000"/>
+              </a:schemeClr>
+            </a:solidFill>
+          </a:ln>
+        </p:spPr>
+        <p:txBody>
+          <a:bodyPr wrap="none" rtlCol="0">
+            <a:spAutoFit/>
+          </a:bodyPr>
+          <a:lstStyle/>
+          <a:p>
+            <a:r>
+              <a:rPr lang="de-DE" dirty="0"/>
+              <a:t>Wenn durch die verteilte Datenhaltung die kritischen Daten nicht überall</a:t>
+            </a:r>
+            <a:br>
+              <a:rPr lang="de-DE" dirty="0"/>
+            </a:br>
+            <a:r>
+              <a:rPr lang="de-DE" dirty="0"/>
+              <a:t>so schnell verfügbar sind, wie man sie es braucht.</a:t>
+            </a:r>
+            <a:br>
+              <a:rPr lang="de-DE" dirty="0"/>
+            </a:br>
+            <a:r>
+              <a:rPr lang="de-DE" dirty="0" err="1"/>
+              <a:t>Z.b</a:t>
+            </a:r>
+            <a:r>
+              <a:rPr lang="de-DE" dirty="0"/>
+              <a:t> wenn ich mein Konto in einer Filiale auflöse, aus der Filiale  rausgehe </a:t>
+            </a:r>
+            <a:br>
+              <a:rPr lang="de-DE" dirty="0"/>
+            </a:br>
+            <a:r>
+              <a:rPr lang="de-DE" dirty="0"/>
+              <a:t>und noch mal eine Summe abhebe. Da die Datenhaltung in der Filiale und im Online-Banking</a:t>
+            </a:r>
+            <a:br>
+              <a:rPr lang="de-DE" dirty="0"/>
+            </a:br>
+            <a:r>
+              <a:rPr lang="de-DE" dirty="0"/>
+              <a:t>wahrscheinlich nicht die selbe ist, kann es zur neuen Herausforderungen führen.</a:t>
+            </a:r>
+            <a:br>
+              <a:rPr lang="de-DE" dirty="0"/>
+            </a:br>
+            <a:r>
+              <a:rPr lang="de-DE" dirty="0"/>
+              <a:t>Weiterhin, wenn es in der Netzwerkübertragung von der Filiale zum Online-Banking zum Ausfall</a:t>
+            </a:r>
+            <a:br>
+              <a:rPr lang="de-DE" dirty="0"/>
+            </a:br>
+            <a:r>
+              <a:rPr lang="de-DE" dirty="0"/>
+              <a:t>für mehrere Stunden gibt, kann der Kunde an einem Automaten solange Geld abheben,</a:t>
+            </a:r>
+            <a:br>
+              <a:rPr lang="de-DE" dirty="0"/>
+            </a:br>
+            <a:r>
+              <a:rPr lang="de-DE" dirty="0"/>
+              <a:t>da das Online-Banking nichts von der Auflösung des Kontos weiß.</a:t>
+            </a:r>
+          </a:p>
+        </p:txBody>
+      </p:sp>
+    </p:spTree>
+    <p:extLst>
+      <p:ext uri="{BB962C8B-B14F-4D97-AF65-F5344CB8AC3E}">
+        <p14:creationId xmlns:p14="http://schemas.microsoft.com/office/powerpoint/2010/main" val="2201204089"/>
+      </p:ext>
+    </p:extLst>
+  </p:cSld>
+  <p:clrMapOvr>
+    <a:masterClrMapping/>
+  </p:clrMapOvr>
+</p:sld>
+</file>
+
+<file path=ppt/slides/slide11.xml><?xml version="1.0" encoding="utf-8"?>
+<p:sld xmlns:a="http://schemas.openxmlformats.org/drawingml/2006/main" xmlns:r="http://schemas.openxmlformats.org/officeDocument/2006/relationships" xmlns:p="http://schemas.openxmlformats.org/presentationml/2006/main">
+  <p:cSld>
+    <p:spTree>
+      <p:nvGrpSpPr>
+        <p:cNvPr id="1" name=""/>
+        <p:cNvGrpSpPr/>
+        <p:nvPr/>
+      </p:nvGrpSpPr>
+      <p:grpSpPr>
+        <a:xfrm>
+          <a:off x="0" y="0"/>
+          <a:ext cx="0" cy="0"/>
+          <a:chOff x="0" y="0"/>
+          <a:chExt cx="0" cy="0"/>
+        </a:xfrm>
+      </p:grpSpPr>
+      <p:sp>
+        <p:nvSpPr>
+          <p:cNvPr id="2" name="Titel 1">
+            <a:extLst>
+              <a:ext uri="{FF2B5EF4-FFF2-40B4-BE49-F238E27FC236}">
+                <a16:creationId xmlns:a16="http://schemas.microsoft.com/office/drawing/2014/main" id="{BC9AF984-5B39-26E5-A10F-FE91E5D1DBD9}"/>
+              </a:ext>
+            </a:extLst>
+          </p:cNvPr>
+          <p:cNvSpPr>
+            <a:spLocks noGrp="1"/>
+          </p:cNvSpPr>
+          <p:nvPr>
+            <p:ph type="title"/>
+          </p:nvPr>
+        </p:nvSpPr>
+        <p:spPr/>
+        <p:txBody>
+          <a:bodyPr>
+            <a:normAutofit fontScale="90000"/>
+          </a:bodyPr>
+          <a:lstStyle/>
+          <a:p>
+            <a:r>
+              <a:rPr lang="de-DE" dirty="0"/>
+              <a:t>Wann passt Cloud-</a:t>
+            </a:r>
+            <a:r>
+              <a:rPr lang="de-DE" dirty="0" err="1"/>
+              <a:t>Naitive</a:t>
+            </a:r>
+            <a:r>
+              <a:rPr lang="de-DE" dirty="0"/>
+              <a:t> nicht zur meiner Software?</a:t>
+            </a:r>
+          </a:p>
+        </p:txBody>
+      </p:sp>
+      <p:sp>
+        <p:nvSpPr>
+          <p:cNvPr id="4" name="Textfeld 3">
+            <a:extLst>
+              <a:ext uri="{FF2B5EF4-FFF2-40B4-BE49-F238E27FC236}">
+                <a16:creationId xmlns:a16="http://schemas.microsoft.com/office/drawing/2014/main" id="{E438176A-1DE0-7984-CB6D-8F726306712E}"/>
+              </a:ext>
+            </a:extLst>
+          </p:cNvPr>
+          <p:cNvSpPr txBox="1"/>
+          <p:nvPr/>
+        </p:nvSpPr>
+        <p:spPr>
+          <a:xfrm>
+            <a:off x="813459" y="2594758"/>
+            <a:ext cx="9023432" cy="923330"/>
+          </a:xfrm>
+          <a:prstGeom prst="rect">
+            <a:avLst/>
+          </a:prstGeom>
+          <a:noFill/>
+          <a:ln>
+            <a:solidFill>
+              <a:schemeClr val="tx2">
+                <a:lumMod val="75000"/>
+                <a:lumOff val="25000"/>
+                <a:alpha val="68000"/>
+              </a:schemeClr>
+            </a:solidFill>
+          </a:ln>
+        </p:spPr>
+        <p:txBody>
+          <a:bodyPr wrap="none" rtlCol="0">
+            <a:spAutoFit/>
+          </a:bodyPr>
+          <a:lstStyle/>
+          <a:p>
+            <a:r>
+              <a:rPr lang="de-DE" dirty="0"/>
+              <a:t>Wenn Code im Mainframe läuft und noch mehrere Jahrzehnte so weiter laufen kann.</a:t>
+            </a:r>
+            <a:br>
+              <a:rPr lang="de-DE" dirty="0"/>
+            </a:br>
+            <a:r>
+              <a:rPr lang="de-DE" dirty="0"/>
+              <a:t>Es lohnt sich dann nur, wenn es dem Business erhebliche Vorteile bringt.</a:t>
+            </a:r>
+            <a:br>
+              <a:rPr lang="de-DE" dirty="0"/>
+            </a:br>
+            <a:r>
+              <a:rPr lang="de-DE" dirty="0"/>
+              <a:t>Und selbst da, kann der </a:t>
+            </a:r>
+            <a:r>
+              <a:rPr lang="de-DE" dirty="0" err="1"/>
+              <a:t>Umgzug</a:t>
+            </a:r>
+            <a:r>
+              <a:rPr lang="de-DE" dirty="0"/>
+              <a:t> in die Cloud </a:t>
+            </a:r>
+            <a:r>
+              <a:rPr lang="de-DE" dirty="0" err="1"/>
+              <a:t>jahre</a:t>
+            </a:r>
+            <a:r>
+              <a:rPr lang="de-DE" dirty="0"/>
+              <a:t> andauern.</a:t>
+            </a:r>
+          </a:p>
+        </p:txBody>
+      </p:sp>
+    </p:spTree>
+    <p:extLst>
+      <p:ext uri="{BB962C8B-B14F-4D97-AF65-F5344CB8AC3E}">
+        <p14:creationId xmlns:p14="http://schemas.microsoft.com/office/powerpoint/2010/main" val="3153569782"/>
+      </p:ext>
+    </p:extLst>
+  </p:cSld>
+  <p:clrMapOvr>
+    <a:masterClrMapping/>
+  </p:clrMapOvr>
+</p:sld>
+</file>
+
+<file path=ppt/slides/slide12.xml><?xml version="1.0" encoding="utf-8"?>
+<p:sld xmlns:a="http://schemas.openxmlformats.org/drawingml/2006/main" xmlns:r="http://schemas.openxmlformats.org/officeDocument/2006/relationships" xmlns:p="http://schemas.openxmlformats.org/presentationml/2006/main">
+  <p:cSld>
+    <p:spTree>
+      <p:nvGrpSpPr>
+        <p:cNvPr id="1" name=""/>
+        <p:cNvGrpSpPr/>
+        <p:nvPr/>
+      </p:nvGrpSpPr>
+      <p:grpSpPr>
+        <a:xfrm>
+          <a:off x="0" y="0"/>
+          <a:ext cx="0" cy="0"/>
+          <a:chOff x="0" y="0"/>
+          <a:chExt cx="0" cy="0"/>
+        </a:xfrm>
+      </p:grpSpPr>
+      <p:sp>
+        <p:nvSpPr>
+          <p:cNvPr id="2" name="Titel 1">
+            <a:extLst>
+              <a:ext uri="{FF2B5EF4-FFF2-40B4-BE49-F238E27FC236}">
+                <a16:creationId xmlns:a16="http://schemas.microsoft.com/office/drawing/2014/main" id="{1DFB23E6-172B-1A52-AE19-DDC57198A494}"/>
+              </a:ext>
+            </a:extLst>
+          </p:cNvPr>
+          <p:cNvSpPr>
+            <a:spLocks noGrp="1"/>
+          </p:cNvSpPr>
+          <p:nvPr>
+            <p:ph type="title"/>
+          </p:nvPr>
+        </p:nvSpPr>
+        <p:spPr/>
+        <p:txBody>
+          <a:bodyPr/>
+          <a:lstStyle/>
+          <a:p>
+            <a:r>
+              <a:rPr lang="de-DE" dirty="0"/>
+              <a:t>Wann passt Cloud-</a:t>
+            </a:r>
+            <a:r>
+              <a:rPr lang="de-DE" dirty="0" err="1"/>
+              <a:t>Naitive</a:t>
+            </a:r>
+            <a:r>
+              <a:rPr lang="de-DE" dirty="0"/>
+              <a:t>?</a:t>
+            </a:r>
+          </a:p>
+        </p:txBody>
+      </p:sp>
+      <p:sp>
+        <p:nvSpPr>
+          <p:cNvPr id="4" name="Textfeld 3">
+            <a:extLst>
+              <a:ext uri="{FF2B5EF4-FFF2-40B4-BE49-F238E27FC236}">
+                <a16:creationId xmlns:a16="http://schemas.microsoft.com/office/drawing/2014/main" id="{5FD77D26-35D6-66FB-072A-C4E0F600D945}"/>
+              </a:ext>
+            </a:extLst>
+          </p:cNvPr>
+          <p:cNvSpPr txBox="1"/>
+          <p:nvPr/>
+        </p:nvSpPr>
+        <p:spPr>
+          <a:xfrm>
+            <a:off x="1359725" y="2992582"/>
+            <a:ext cx="184731" cy="369332"/>
+          </a:xfrm>
+          <a:prstGeom prst="rect">
+            <a:avLst/>
+          </a:prstGeom>
+          <a:noFill/>
+        </p:spPr>
+        <p:txBody>
+          <a:bodyPr wrap="none" rtlCol="0">
+            <a:spAutoFit/>
+          </a:bodyPr>
+          <a:lstStyle/>
+          <a:p>
+            <a:endParaRPr lang="de-DE" dirty="0"/>
+          </a:p>
+        </p:txBody>
+      </p:sp>
+      <p:sp>
+        <p:nvSpPr>
+          <p:cNvPr id="5" name="Rechteck 4">
+            <a:extLst>
+              <a:ext uri="{FF2B5EF4-FFF2-40B4-BE49-F238E27FC236}">
+                <a16:creationId xmlns:a16="http://schemas.microsoft.com/office/drawing/2014/main" id="{795D47B7-94E5-E1F3-4D08-6F9E3D1E3BCC}"/>
+              </a:ext>
+            </a:extLst>
+          </p:cNvPr>
+          <p:cNvSpPr/>
+          <p:nvPr/>
+        </p:nvSpPr>
+        <p:spPr>
+          <a:xfrm>
+            <a:off x="817263" y="3535436"/>
+            <a:ext cx="3675626" cy="1146048"/>
+          </a:xfrm>
+          <a:prstGeom prst="rect">
+            <a:avLst/>
+          </a:prstGeom>
+          <a:ln/>
+        </p:spPr>
+        <p:style>
+          <a:lnRef idx="2">
+            <a:schemeClr val="dk1"/>
+          </a:lnRef>
+          <a:fillRef idx="1">
+            <a:schemeClr val="lt1"/>
+          </a:fillRef>
+          <a:effectRef idx="0">
+            <a:schemeClr val="dk1"/>
+          </a:effectRef>
+          <a:fontRef idx="minor">
+            <a:schemeClr val="dk1"/>
+          </a:fontRef>
+        </p:style>
+        <p:txBody>
+          <a:bodyPr rtlCol="0" anchor="ctr"/>
+          <a:lstStyle/>
+          <a:p>
+            <a:pPr algn="ctr"/>
+            <a:endParaRPr lang="de-DE" dirty="0"/>
+          </a:p>
+        </p:txBody>
+      </p:sp>
+      <p:sp>
+        <p:nvSpPr>
+          <p:cNvPr id="6" name="Rechteck 5">
+            <a:extLst>
+              <a:ext uri="{FF2B5EF4-FFF2-40B4-BE49-F238E27FC236}">
+                <a16:creationId xmlns:a16="http://schemas.microsoft.com/office/drawing/2014/main" id="{37EDB256-4966-4A13-B518-E1B0943A47AA}"/>
+              </a:ext>
+            </a:extLst>
+          </p:cNvPr>
+          <p:cNvSpPr/>
+          <p:nvPr/>
+        </p:nvSpPr>
+        <p:spPr>
+          <a:xfrm>
+            <a:off x="3191260" y="3607961"/>
+            <a:ext cx="1146048" cy="914400"/>
+          </a:xfrm>
+          <a:prstGeom prst="rect">
+            <a:avLst/>
+          </a:prstGeom>
+          <a:ln/>
+        </p:spPr>
+        <p:style>
+          <a:lnRef idx="0">
+            <a:schemeClr val="accent3"/>
+          </a:lnRef>
+          <a:fillRef idx="3">
+            <a:schemeClr val="accent3"/>
+          </a:fillRef>
+          <a:effectRef idx="3">
+            <a:schemeClr val="accent3"/>
+          </a:effectRef>
+          <a:fontRef idx="minor">
+            <a:schemeClr val="lt1"/>
+          </a:fontRef>
+        </p:style>
+        <p:txBody>
+          <a:bodyPr rtlCol="0" anchor="ctr"/>
+          <a:lstStyle/>
+          <a:p>
+            <a:pPr algn="ctr"/>
+            <a:r>
+              <a:rPr lang="de-DE" dirty="0" err="1"/>
+              <a:t>UserAPI</a:t>
+            </a:r>
+            <a:r>
+              <a:rPr lang="de-DE" dirty="0"/>
+              <a:t>-Service</a:t>
+            </a:r>
+          </a:p>
+        </p:txBody>
+      </p:sp>
+      <p:sp>
+        <p:nvSpPr>
+          <p:cNvPr id="7" name="Ellipse 6">
+            <a:extLst>
+              <a:ext uri="{FF2B5EF4-FFF2-40B4-BE49-F238E27FC236}">
+                <a16:creationId xmlns:a16="http://schemas.microsoft.com/office/drawing/2014/main" id="{5DBE85CC-FD88-1CFE-2B9E-9A58EE2ACC3A}"/>
+              </a:ext>
+            </a:extLst>
+          </p:cNvPr>
+          <p:cNvSpPr/>
+          <p:nvPr/>
+        </p:nvSpPr>
+        <p:spPr>
+          <a:xfrm>
+            <a:off x="959799" y="3677645"/>
+            <a:ext cx="2075881" cy="858491"/>
+          </a:xfrm>
+          <a:prstGeom prst="ellipse">
+            <a:avLst/>
+          </a:prstGeom>
+          <a:solidFill>
+            <a:schemeClr val="accent4">
+              <a:lumMod val="60000"/>
+              <a:lumOff val="40000"/>
+            </a:schemeClr>
+          </a:solidFill>
+        </p:spPr>
+        <p:style>
+          <a:lnRef idx="2">
+            <a:schemeClr val="accent1">
+              <a:shade val="50000"/>
+            </a:schemeClr>
+          </a:lnRef>
+          <a:fillRef idx="1">
+            <a:schemeClr val="accent1"/>
+          </a:fillRef>
+          <a:effectRef idx="0">
+            <a:schemeClr val="accent1"/>
+          </a:effectRef>
+          <a:fontRef idx="minor">
+            <a:schemeClr val="lt1"/>
+          </a:fontRef>
+        </p:style>
+        <p:txBody>
+          <a:bodyPr rtlCol="0" anchor="ctr"/>
+          <a:lstStyle/>
+          <a:p>
+            <a:pPr algn="ctr"/>
+            <a:r>
+              <a:rPr lang="de-DE" dirty="0"/>
+              <a:t>Anwendung</a:t>
+            </a:r>
+          </a:p>
+        </p:txBody>
+      </p:sp>
+      <p:sp>
+        <p:nvSpPr>
+          <p:cNvPr id="8" name="Textfeld 7">
+            <a:extLst>
+              <a:ext uri="{FF2B5EF4-FFF2-40B4-BE49-F238E27FC236}">
+                <a16:creationId xmlns:a16="http://schemas.microsoft.com/office/drawing/2014/main" id="{8449E088-45D7-1684-3660-5E96512A35ED}"/>
+              </a:ext>
+            </a:extLst>
+          </p:cNvPr>
+          <p:cNvSpPr txBox="1"/>
+          <p:nvPr/>
+        </p:nvSpPr>
+        <p:spPr>
+          <a:xfrm>
+            <a:off x="1455114" y="3707377"/>
+            <a:ext cx="1164336" cy="276999"/>
+          </a:xfrm>
+          <a:prstGeom prst="rect">
+            <a:avLst/>
+          </a:prstGeom>
+          <a:noFill/>
+        </p:spPr>
+        <p:txBody>
+          <a:bodyPr wrap="square" rtlCol="0">
+            <a:spAutoFit/>
+          </a:bodyPr>
+          <a:lstStyle/>
+          <a:p>
+            <a:r>
+              <a:rPr lang="de-DE" sz="1200" dirty="0"/>
+              <a:t>Eigener Code</a:t>
+            </a:r>
+          </a:p>
+        </p:txBody>
+      </p:sp>
+      <p:sp>
+        <p:nvSpPr>
+          <p:cNvPr id="9" name="Rechteck 8">
+            <a:extLst>
+              <a:ext uri="{FF2B5EF4-FFF2-40B4-BE49-F238E27FC236}">
+                <a16:creationId xmlns:a16="http://schemas.microsoft.com/office/drawing/2014/main" id="{4343675D-AF6A-1FF0-D39A-0EE5613D45BD}"/>
+              </a:ext>
+            </a:extLst>
+          </p:cNvPr>
+          <p:cNvSpPr/>
+          <p:nvPr/>
+        </p:nvSpPr>
+        <p:spPr>
+          <a:xfrm>
+            <a:off x="5605146" y="3530998"/>
+            <a:ext cx="3675626" cy="1146048"/>
+          </a:xfrm>
+          <a:prstGeom prst="rect">
+            <a:avLst/>
+          </a:prstGeom>
+          <a:ln/>
+        </p:spPr>
+        <p:style>
+          <a:lnRef idx="2">
+            <a:schemeClr val="dk1"/>
+          </a:lnRef>
+          <a:fillRef idx="1">
+            <a:schemeClr val="lt1"/>
+          </a:fillRef>
+          <a:effectRef idx="0">
+            <a:schemeClr val="dk1"/>
+          </a:effectRef>
+          <a:fontRef idx="minor">
+            <a:schemeClr val="dk1"/>
+          </a:fontRef>
+        </p:style>
+        <p:txBody>
+          <a:bodyPr rtlCol="0" anchor="ctr"/>
+          <a:lstStyle/>
+          <a:p>
+            <a:pPr algn="ctr"/>
+            <a:endParaRPr lang="de-DE" dirty="0"/>
+          </a:p>
+        </p:txBody>
+      </p:sp>
+      <p:sp>
+        <p:nvSpPr>
+          <p:cNvPr id="10" name="Flussdiagramm: Datenträger mit direktem Zugriff 9">
+            <a:extLst>
+              <a:ext uri="{FF2B5EF4-FFF2-40B4-BE49-F238E27FC236}">
+                <a16:creationId xmlns:a16="http://schemas.microsoft.com/office/drawing/2014/main" id="{AE713FFA-E0FE-E086-14F0-4FD868CFC967}"/>
+              </a:ext>
+            </a:extLst>
+          </p:cNvPr>
+          <p:cNvSpPr/>
+          <p:nvPr/>
+        </p:nvSpPr>
+        <p:spPr>
+          <a:xfrm rot="16200000">
+            <a:off x="7045470" y="3388854"/>
+            <a:ext cx="621552" cy="1199134"/>
+          </a:xfrm>
+          <a:prstGeom prst="flowChartMagneticDrum">
+            <a:avLst/>
+          </a:prstGeom>
+          <a:solidFill>
+            <a:srgbClr val="00B0F0"/>
+          </a:solidFill>
+        </p:spPr>
+        <p:style>
+          <a:lnRef idx="2">
+            <a:schemeClr val="accent1">
+              <a:shade val="50000"/>
+            </a:schemeClr>
+          </a:lnRef>
+          <a:fillRef idx="1">
+            <a:schemeClr val="accent1"/>
+          </a:fillRef>
+          <a:effectRef idx="0">
+            <a:schemeClr val="accent1"/>
+          </a:effectRef>
+          <a:fontRef idx="minor">
+            <a:schemeClr val="lt1"/>
+          </a:fontRef>
+        </p:style>
+        <p:txBody>
+          <a:bodyPr rtlCol="0" anchor="ctr"/>
+          <a:lstStyle/>
+          <a:p>
+            <a:pPr algn="ctr"/>
+            <a:endParaRPr lang="de-DE" dirty="0"/>
+          </a:p>
+        </p:txBody>
+      </p:sp>
+      <p:sp>
+        <p:nvSpPr>
+          <p:cNvPr id="11" name="Textfeld 10">
+            <a:extLst>
+              <a:ext uri="{FF2B5EF4-FFF2-40B4-BE49-F238E27FC236}">
+                <a16:creationId xmlns:a16="http://schemas.microsoft.com/office/drawing/2014/main" id="{A1786243-1C85-A415-F411-92E22188A408}"/>
+              </a:ext>
+            </a:extLst>
+          </p:cNvPr>
+          <p:cNvSpPr txBox="1"/>
+          <p:nvPr/>
+        </p:nvSpPr>
+        <p:spPr>
+          <a:xfrm>
+            <a:off x="6772387" y="3950661"/>
+            <a:ext cx="1074333" cy="246221"/>
+          </a:xfrm>
+          <a:prstGeom prst="rect">
+            <a:avLst/>
+          </a:prstGeom>
+          <a:noFill/>
+        </p:spPr>
+        <p:txBody>
+          <a:bodyPr wrap="none" rtlCol="0">
+            <a:spAutoFit/>
+          </a:bodyPr>
+          <a:lstStyle/>
+          <a:p>
+            <a:r>
+              <a:rPr lang="de-DE" sz="1000" dirty="0"/>
+              <a:t>Service-Tokens</a:t>
+            </a:r>
+          </a:p>
+        </p:txBody>
+      </p:sp>
+      <p:pic>
+        <p:nvPicPr>
+          <p:cNvPr id="13" name="Grafik 12">
+            <a:extLst>
+              <a:ext uri="{FF2B5EF4-FFF2-40B4-BE49-F238E27FC236}">
+                <a16:creationId xmlns:a16="http://schemas.microsoft.com/office/drawing/2014/main" id="{75E641FD-33B9-9FB3-5DCE-89292DB2C1AE}"/>
+              </a:ext>
+            </a:extLst>
+          </p:cNvPr>
+          <p:cNvPicPr>
+            <a:picLocks noChangeAspect="1"/>
+          </p:cNvPicPr>
+          <p:nvPr/>
+        </p:nvPicPr>
+        <p:blipFill>
+          <a:blip r:embed="rId2"/>
+          <a:stretch>
+            <a:fillRect/>
+          </a:stretch>
+        </p:blipFill>
+        <p:spPr>
+          <a:xfrm>
+            <a:off x="498700" y="2472931"/>
+            <a:ext cx="637126" cy="755740"/>
+          </a:xfrm>
+          <a:prstGeom prst="rect">
+            <a:avLst/>
+          </a:prstGeom>
+        </p:spPr>
+      </p:pic>
+      <p:cxnSp>
+        <p:nvCxnSpPr>
+          <p:cNvPr id="15" name="Gerade Verbindung mit Pfeil 14">
+            <a:extLst>
+              <a:ext uri="{FF2B5EF4-FFF2-40B4-BE49-F238E27FC236}">
+                <a16:creationId xmlns:a16="http://schemas.microsoft.com/office/drawing/2014/main" id="{75BCDF46-AFF5-5A46-F99A-25827D3A4B2B}"/>
+              </a:ext>
+            </a:extLst>
+          </p:cNvPr>
+          <p:cNvCxnSpPr>
+            <a:cxnSpLocks/>
+            <a:stCxn id="13" idx="2"/>
+          </p:cNvCxnSpPr>
+          <p:nvPr/>
+        </p:nvCxnSpPr>
+        <p:spPr>
+          <a:xfrm>
+            <a:off x="817263" y="3228671"/>
+            <a:ext cx="1106540" cy="535807"/>
+          </a:xfrm>
+          <a:prstGeom prst="straightConnector1">
+            <a:avLst/>
+          </a:prstGeom>
+          <a:ln>
+            <a:tailEnd type="triangle"/>
+          </a:ln>
+        </p:spPr>
+        <p:style>
+          <a:lnRef idx="1">
+            <a:schemeClr val="accent1"/>
+          </a:lnRef>
+          <a:fillRef idx="0">
+            <a:schemeClr val="accent1"/>
+          </a:fillRef>
+          <a:effectRef idx="0">
+            <a:schemeClr val="accent1"/>
+          </a:effectRef>
+          <a:fontRef idx="minor">
+            <a:schemeClr val="tx1"/>
+          </a:fontRef>
+        </p:style>
+      </p:cxnSp>
+      <p:sp>
+        <p:nvSpPr>
+          <p:cNvPr id="16" name="Textfeld 15">
+            <a:extLst>
+              <a:ext uri="{FF2B5EF4-FFF2-40B4-BE49-F238E27FC236}">
+                <a16:creationId xmlns:a16="http://schemas.microsoft.com/office/drawing/2014/main" id="{1999CE98-28A0-BB67-9FE8-6C4CA75F0A31}"/>
+              </a:ext>
+            </a:extLst>
+          </p:cNvPr>
+          <p:cNvSpPr txBox="1"/>
+          <p:nvPr/>
+        </p:nvSpPr>
+        <p:spPr>
+          <a:xfrm>
+            <a:off x="1162620" y="2479518"/>
+            <a:ext cx="2984912" cy="830997"/>
+          </a:xfrm>
+          <a:prstGeom prst="rect">
+            <a:avLst/>
+          </a:prstGeom>
+          <a:noFill/>
+        </p:spPr>
+        <p:txBody>
+          <a:bodyPr wrap="square" rtlCol="0">
+            <a:spAutoFit/>
+          </a:bodyPr>
+          <a:lstStyle/>
+          <a:p>
+            <a:r>
+              <a:rPr lang="de-DE" sz="1200" dirty="0"/>
+              <a:t>Bank-Mitarbeiter schaut Kontostand vom Kunden. Daten kriegt er über </a:t>
+            </a:r>
+            <a:r>
+              <a:rPr lang="de-DE" sz="1200" dirty="0" err="1"/>
+              <a:t>UseAPI</a:t>
+            </a:r>
+            <a:r>
+              <a:rPr lang="de-DE" sz="1200" dirty="0"/>
+              <a:t>-Service aus einer anderen Anwendung über das Netzwerk.</a:t>
+            </a:r>
+          </a:p>
+        </p:txBody>
+      </p:sp>
+      <p:sp>
+        <p:nvSpPr>
+          <p:cNvPr id="17" name="Textfeld 16">
+            <a:extLst>
+              <a:ext uri="{FF2B5EF4-FFF2-40B4-BE49-F238E27FC236}">
+                <a16:creationId xmlns:a16="http://schemas.microsoft.com/office/drawing/2014/main" id="{5C8B0DE1-D246-3588-E489-36E1870C2357}"/>
+              </a:ext>
+            </a:extLst>
+          </p:cNvPr>
+          <p:cNvSpPr txBox="1"/>
+          <p:nvPr/>
+        </p:nvSpPr>
+        <p:spPr>
+          <a:xfrm>
+            <a:off x="804218" y="4434217"/>
+            <a:ext cx="1741516" cy="276999"/>
+          </a:xfrm>
+          <a:prstGeom prst="rect">
+            <a:avLst/>
+          </a:prstGeom>
+          <a:noFill/>
+        </p:spPr>
+        <p:txBody>
+          <a:bodyPr wrap="square" rtlCol="0">
+            <a:spAutoFit/>
+          </a:bodyPr>
+          <a:lstStyle/>
+          <a:p>
+            <a:r>
+              <a:rPr lang="de-DE" sz="1200" dirty="0"/>
+              <a:t>Cloud-Anwendungen</a:t>
+            </a:r>
+          </a:p>
+        </p:txBody>
+      </p:sp>
+      <p:sp>
+        <p:nvSpPr>
+          <p:cNvPr id="18" name="Textfeld 17">
+            <a:extLst>
+              <a:ext uri="{FF2B5EF4-FFF2-40B4-BE49-F238E27FC236}">
+                <a16:creationId xmlns:a16="http://schemas.microsoft.com/office/drawing/2014/main" id="{964C80A5-ED3D-DE68-22D1-E960960D33BF}"/>
+              </a:ext>
+            </a:extLst>
+          </p:cNvPr>
+          <p:cNvSpPr txBox="1"/>
+          <p:nvPr/>
+        </p:nvSpPr>
+        <p:spPr>
+          <a:xfrm>
+            <a:off x="5678355" y="4364716"/>
+            <a:ext cx="2340295" cy="276999"/>
+          </a:xfrm>
+          <a:prstGeom prst="rect">
+            <a:avLst/>
+          </a:prstGeom>
+          <a:noFill/>
+        </p:spPr>
+        <p:txBody>
+          <a:bodyPr wrap="square" rtlCol="0">
+            <a:spAutoFit/>
+          </a:bodyPr>
+          <a:lstStyle/>
+          <a:p>
+            <a:r>
+              <a:rPr lang="de-DE" sz="1200" dirty="0"/>
+              <a:t>Nicht-Cloud-Anwendungen</a:t>
+            </a:r>
+          </a:p>
+        </p:txBody>
+      </p:sp>
+      <p:cxnSp>
+        <p:nvCxnSpPr>
+          <p:cNvPr id="20" name="Gerade Verbindung mit Pfeil 19">
+            <a:extLst>
+              <a:ext uri="{FF2B5EF4-FFF2-40B4-BE49-F238E27FC236}">
+                <a16:creationId xmlns:a16="http://schemas.microsoft.com/office/drawing/2014/main" id="{BDF5150A-B0EE-E2D8-B828-B9F78584E338}"/>
+              </a:ext>
+            </a:extLst>
+          </p:cNvPr>
+          <p:cNvCxnSpPr>
+            <a:stCxn id="5" idx="3"/>
+            <a:endCxn id="9" idx="1"/>
+          </p:cNvCxnSpPr>
+          <p:nvPr/>
+        </p:nvCxnSpPr>
+        <p:spPr>
+          <a:xfrm flipV="1">
+            <a:off x="4492889" y="4104022"/>
+            <a:ext cx="1112257" cy="4438"/>
+          </a:xfrm>
+          <a:prstGeom prst="straightConnector1">
+            <a:avLst/>
+          </a:prstGeom>
+          <a:ln>
+            <a:tailEnd type="triangle"/>
+          </a:ln>
+        </p:spPr>
+        <p:style>
+          <a:lnRef idx="1">
+            <a:schemeClr val="accent1"/>
+          </a:lnRef>
+          <a:fillRef idx="0">
+            <a:schemeClr val="accent1"/>
+          </a:fillRef>
+          <a:effectRef idx="0">
+            <a:schemeClr val="accent1"/>
+          </a:effectRef>
+          <a:fontRef idx="minor">
+            <a:schemeClr val="tx1"/>
+          </a:fontRef>
+        </p:style>
+      </p:cxnSp>
+      <p:cxnSp>
+        <p:nvCxnSpPr>
+          <p:cNvPr id="23" name="Gerader Verbinder 22">
+            <a:extLst>
+              <a:ext uri="{FF2B5EF4-FFF2-40B4-BE49-F238E27FC236}">
+                <a16:creationId xmlns:a16="http://schemas.microsoft.com/office/drawing/2014/main" id="{40CAFC87-D844-9EE1-6230-67834EB70D7B}"/>
+              </a:ext>
+            </a:extLst>
+          </p:cNvPr>
+          <p:cNvCxnSpPr/>
+          <p:nvPr/>
+        </p:nvCxnSpPr>
+        <p:spPr>
+          <a:xfrm>
+            <a:off x="4827216" y="3883436"/>
+            <a:ext cx="409699" cy="527235"/>
+          </a:xfrm>
+          <a:prstGeom prst="line">
+            <a:avLst/>
+          </a:prstGeom>
+          <a:ln w="38100"/>
+        </p:spPr>
+        <p:style>
+          <a:lnRef idx="1">
+            <a:schemeClr val="accent1"/>
+          </a:lnRef>
+          <a:fillRef idx="0">
+            <a:schemeClr val="accent1"/>
+          </a:fillRef>
+          <a:effectRef idx="0">
+            <a:schemeClr val="accent1"/>
+          </a:effectRef>
+          <a:fontRef idx="minor">
+            <a:schemeClr val="tx1"/>
+          </a:fontRef>
+        </p:style>
+      </p:cxnSp>
+      <p:cxnSp>
+        <p:nvCxnSpPr>
+          <p:cNvPr id="24" name="Gerader Verbinder 23">
+            <a:extLst>
+              <a:ext uri="{FF2B5EF4-FFF2-40B4-BE49-F238E27FC236}">
+                <a16:creationId xmlns:a16="http://schemas.microsoft.com/office/drawing/2014/main" id="{16C73DA5-DC16-0213-25FE-9DCE80FBCDF2}"/>
+              </a:ext>
+            </a:extLst>
+          </p:cNvPr>
+          <p:cNvCxnSpPr>
+            <a:cxnSpLocks/>
+          </p:cNvCxnSpPr>
+          <p:nvPr/>
+        </p:nvCxnSpPr>
+        <p:spPr>
+          <a:xfrm flipV="1">
+            <a:off x="4778875" y="3917529"/>
+            <a:ext cx="458040" cy="447187"/>
+          </a:xfrm>
+          <a:prstGeom prst="line">
+            <a:avLst/>
+          </a:prstGeom>
+          <a:ln w="38100"/>
+        </p:spPr>
+        <p:style>
+          <a:lnRef idx="1">
+            <a:schemeClr val="accent1"/>
+          </a:lnRef>
+          <a:fillRef idx="0">
+            <a:schemeClr val="accent1"/>
+          </a:fillRef>
+          <a:effectRef idx="0">
+            <a:schemeClr val="accent1"/>
+          </a:effectRef>
+          <a:fontRef idx="minor">
+            <a:schemeClr val="tx1"/>
+          </a:fontRef>
+        </p:style>
+      </p:cxnSp>
+      <p:sp>
+        <p:nvSpPr>
+          <p:cNvPr id="28" name="Textfeld 27">
+            <a:extLst>
+              <a:ext uri="{FF2B5EF4-FFF2-40B4-BE49-F238E27FC236}">
+                <a16:creationId xmlns:a16="http://schemas.microsoft.com/office/drawing/2014/main" id="{8267B040-EA61-095A-1BB5-C8CA09408AFE}"/>
+              </a:ext>
+            </a:extLst>
+          </p:cNvPr>
+          <p:cNvSpPr txBox="1"/>
+          <p:nvPr/>
+        </p:nvSpPr>
+        <p:spPr>
+          <a:xfrm>
+            <a:off x="650002" y="4965456"/>
+            <a:ext cx="6207998" cy="1015663"/>
+          </a:xfrm>
+          <a:prstGeom prst="rect">
+            <a:avLst/>
+          </a:prstGeom>
+          <a:noFill/>
+        </p:spPr>
+        <p:txBody>
+          <a:bodyPr wrap="square" rtlCol="0">
+            <a:spAutoFit/>
+          </a:bodyPr>
+          <a:lstStyle/>
+          <a:p>
+            <a:r>
+              <a:rPr lang="de-DE" sz="1200" dirty="0"/>
+              <a:t>Cloud-Anwendung Stärke: Das Problem ist, dass das Netzwerk aus der Region bzw. der Zone der Region nicht verfügbar ist. Wenn man die </a:t>
+            </a:r>
+            <a:r>
+              <a:rPr lang="de-DE" sz="1200" dirty="0" err="1"/>
+              <a:t>Eksemplare</a:t>
+            </a:r>
+            <a:r>
+              <a:rPr lang="de-DE" sz="1200" dirty="0"/>
+              <a:t> der Cloud-Anwendung auf mehrere Zonen bzw. auf vers. Regionen </a:t>
+            </a:r>
+            <a:r>
+              <a:rPr lang="de-DE" sz="1200" dirty="0" err="1"/>
+              <a:t>republiziert</a:t>
+            </a:r>
+            <a:r>
+              <a:rPr lang="de-DE" sz="1200" dirty="0"/>
+              <a:t>, dann kann der Mitarbeiter einen anderen </a:t>
+            </a:r>
+            <a:r>
+              <a:rPr lang="de-DE" sz="1200" dirty="0" err="1"/>
+              <a:t>Eksemplar</a:t>
+            </a:r>
+            <a:r>
+              <a:rPr lang="de-DE" sz="1200" dirty="0"/>
+              <a:t> mit einander anderen, funktionierenden Netzwerkverbindung für die Abfrage von Daten verwenden.</a:t>
+            </a:r>
+          </a:p>
+        </p:txBody>
+      </p:sp>
+      <p:sp>
+        <p:nvSpPr>
+          <p:cNvPr id="29" name="Textfeld 28">
+            <a:extLst>
+              <a:ext uri="{FF2B5EF4-FFF2-40B4-BE49-F238E27FC236}">
+                <a16:creationId xmlns:a16="http://schemas.microsoft.com/office/drawing/2014/main" id="{F34A5E34-736D-238E-124D-803A83EA3DDA}"/>
+              </a:ext>
+            </a:extLst>
+          </p:cNvPr>
+          <p:cNvSpPr txBox="1"/>
+          <p:nvPr/>
+        </p:nvSpPr>
+        <p:spPr>
+          <a:xfrm>
+            <a:off x="640504" y="6212081"/>
+            <a:ext cx="6207998" cy="461665"/>
+          </a:xfrm>
+          <a:prstGeom prst="rect">
+            <a:avLst/>
+          </a:prstGeom>
+          <a:noFill/>
+        </p:spPr>
+        <p:txBody>
+          <a:bodyPr wrap="square" rtlCol="0">
+            <a:spAutoFit/>
+          </a:bodyPr>
+          <a:lstStyle/>
+          <a:p>
+            <a:r>
+              <a:rPr lang="de-DE" sz="1200" b="1" dirty="0"/>
+              <a:t>Anmerkung: </a:t>
+            </a:r>
+            <a:r>
+              <a:rPr lang="de-DE" sz="1200" dirty="0"/>
+              <a:t>Auch wenn du Umzug in die </a:t>
+            </a:r>
+            <a:r>
+              <a:rPr lang="de-DE" sz="1200" dirty="0" err="1"/>
+              <a:t>cloud</a:t>
+            </a:r>
+            <a:r>
+              <a:rPr lang="de-DE" sz="1200" dirty="0"/>
+              <a:t> </a:t>
+            </a:r>
+            <a:r>
+              <a:rPr lang="de-DE" sz="1200" dirty="0" err="1"/>
+              <a:t>jahre</a:t>
+            </a:r>
+            <a:r>
+              <a:rPr lang="de-DE" sz="1200" dirty="0"/>
+              <a:t> dauert, sollten die bereits in die Cloud migrierten Teile ihre Vorteile mit sich bringen.</a:t>
+            </a:r>
+          </a:p>
+        </p:txBody>
+      </p:sp>
+    </p:spTree>
+    <p:extLst>
+      <p:ext uri="{BB962C8B-B14F-4D97-AF65-F5344CB8AC3E}">
+        <p14:creationId xmlns:p14="http://schemas.microsoft.com/office/powerpoint/2010/main" val="2421724054"/>
+      </p:ext>
+    </p:extLst>
+  </p:cSld>
+  <p:clrMapOvr>
+    <a:masterClrMapping/>
+  </p:clrMapOvr>
+</p:sld>
+</file>
+
+<file path=ppt/slides/slide13.xml><?xml version="1.0" encoding="utf-8"?>
+<p:sld xmlns:a="http://schemas.openxmlformats.org/drawingml/2006/main" xmlns:r="http://schemas.openxmlformats.org/officeDocument/2006/relationships" xmlns:p="http://schemas.openxmlformats.org/presentationml/2006/main">
+  <p:cSld>
+    <p:spTree>
+      <p:nvGrpSpPr>
+        <p:cNvPr id="1" name=""/>
+        <p:cNvGrpSpPr/>
+        <p:nvPr/>
+      </p:nvGrpSpPr>
+      <p:grpSpPr>
+        <a:xfrm>
+          <a:off x="0" y="0"/>
+          <a:ext cx="0" cy="0"/>
+          <a:chOff x="0" y="0"/>
+          <a:chExt cx="0" cy="0"/>
+        </a:xfrm>
+      </p:grpSpPr>
+      <p:sp>
+        <p:nvSpPr>
+          <p:cNvPr id="2" name="Titel 1">
+            <a:extLst>
+              <a:ext uri="{FF2B5EF4-FFF2-40B4-BE49-F238E27FC236}">
+                <a16:creationId xmlns:a16="http://schemas.microsoft.com/office/drawing/2014/main" id="{7BE867F4-DC6D-70EC-CA6F-411FFCF0E0A3}"/>
+              </a:ext>
+            </a:extLst>
+          </p:cNvPr>
+          <p:cNvSpPr>
+            <a:spLocks noGrp="1"/>
+          </p:cNvSpPr>
+          <p:nvPr>
+            <p:ph type="title"/>
+          </p:nvPr>
+        </p:nvSpPr>
+        <p:spPr/>
+        <p:txBody>
+          <a:bodyPr/>
+          <a:lstStyle/>
+          <a:p>
+            <a:r>
+              <a:rPr lang="de-DE" dirty="0"/>
+              <a:t>Zusammenfassung:</a:t>
+            </a:r>
+          </a:p>
+        </p:txBody>
+      </p:sp>
+      <p:sp>
+        <p:nvSpPr>
+          <p:cNvPr id="4" name="Textfeld 3">
+            <a:extLst>
+              <a:ext uri="{FF2B5EF4-FFF2-40B4-BE49-F238E27FC236}">
+                <a16:creationId xmlns:a16="http://schemas.microsoft.com/office/drawing/2014/main" id="{747135EF-FA8E-24E6-5B51-923AC50A2170}"/>
+              </a:ext>
+            </a:extLst>
+          </p:cNvPr>
+          <p:cNvSpPr txBox="1"/>
+          <p:nvPr/>
+        </p:nvSpPr>
+        <p:spPr>
+          <a:xfrm>
+            <a:off x="484552" y="2584453"/>
+            <a:ext cx="6207998" cy="1569660"/>
+          </a:xfrm>
+          <a:prstGeom prst="rect">
+            <a:avLst/>
+          </a:prstGeom>
+          <a:noFill/>
+        </p:spPr>
+        <p:txBody>
+          <a:bodyPr wrap="square" rtlCol="0">
+            <a:spAutoFit/>
+          </a:bodyPr>
+          <a:lstStyle/>
+          <a:p>
+            <a:pPr marL="228600" indent="-228600">
+              <a:buAutoNum type="arabicPeriod"/>
+            </a:pPr>
+            <a:r>
+              <a:rPr lang="de-DE" sz="1200" dirty="0"/>
+              <a:t>Cloud-Anwendung bleibt stabil, auch wenn die Infrastruktur Probleme bereitet</a:t>
+            </a:r>
+          </a:p>
+          <a:p>
+            <a:pPr marL="228600" indent="-228600">
+              <a:buAutoNum type="arabicPeriod"/>
+            </a:pPr>
+            <a:r>
+              <a:rPr lang="de-DE" sz="1200" dirty="0"/>
+              <a:t>Cloud-Anwendung fordert </a:t>
+            </a:r>
+            <a:r>
+              <a:rPr lang="de-DE" sz="1200" dirty="0" err="1"/>
+              <a:t>ofte</a:t>
+            </a:r>
+            <a:r>
+              <a:rPr lang="de-DE" sz="1200" dirty="0"/>
+              <a:t> Releases, keine Offline-Zeit und Umgang mit vielen vers. Geräten</a:t>
+            </a:r>
+          </a:p>
+          <a:p>
+            <a:pPr marL="228600" indent="-228600">
+              <a:buAutoNum type="arabicPeriod"/>
+            </a:pPr>
+            <a:r>
+              <a:rPr lang="de-DE" sz="1200" dirty="0"/>
+              <a:t>Cloud-Anwendung hat drei Hauptobjekte: Anwendung, Daten, Interaktion untereinander</a:t>
+            </a:r>
+          </a:p>
+          <a:p>
+            <a:pPr marL="228600" indent="-228600">
+              <a:buAutoNum type="arabicPeriod"/>
+            </a:pPr>
+            <a:r>
+              <a:rPr lang="de-DE" sz="1200" dirty="0"/>
+              <a:t>Cloud-Anwendung </a:t>
+            </a:r>
+            <a:r>
+              <a:rPr lang="de-DE" sz="1200" dirty="0" err="1"/>
+              <a:t>heisst</a:t>
+            </a:r>
+            <a:r>
+              <a:rPr lang="de-DE" sz="1200" dirty="0"/>
+              <a:t> nicht: alles oder nichts. Es können Teile der Software Cloud-Patterns umsetzen. Andere Software kann noch auf alten Patterns zurückgreifen und es kann eine Mischung davon geben.</a:t>
+            </a:r>
+          </a:p>
+        </p:txBody>
+      </p:sp>
+    </p:spTree>
+    <p:extLst>
+      <p:ext uri="{BB962C8B-B14F-4D97-AF65-F5344CB8AC3E}">
+        <p14:creationId xmlns:p14="http://schemas.microsoft.com/office/powerpoint/2010/main" val="977551180"/>
+      </p:ext>
+    </p:extLst>
+  </p:cSld>
+  <p:clrMapOvr>
+    <a:masterClrMapping/>
+  </p:clrMapOvr>
+</p:sld>
+</file>
+
 <file path=ppt/slides/slide2.xml><?xml version="1.0" encoding="utf-8"?>
 <p:sld xmlns:a="http://schemas.openxmlformats.org/drawingml/2006/main" xmlns:r="http://schemas.openxmlformats.org/officeDocument/2006/relationships" xmlns:p="http://schemas.openxmlformats.org/presentationml/2006/main">
   <p:cSld>
@@ -11259,12 +12610,12 @@
               <a:t>Nach dem die Telefonnummer über den Button gespeichert wird, schickt „User-Service“ </a:t>
             </a:r>
             <a:r>
-              <a:rPr lang="de-DE" sz="1200"/>
-              <a:t>Eksemplar </a:t>
+              <a:rPr lang="de-DE" sz="1200" dirty="0" err="1"/>
+              <a:t>Eksemplar</a:t>
             </a:r>
             <a:r>
               <a:rPr lang="de-DE" sz="1200" dirty="0"/>
-              <a:t>einen Event an die Topic oder an eine Queue.</a:t>
+              <a:t> einen Event an die Topic oder an eine Queue.</a:t>
             </a:r>
           </a:p>
           <a:p>
@@ -11315,6 +12666,118 @@
     <p:extLst>
       <p:ext uri="{BB962C8B-B14F-4D97-AF65-F5344CB8AC3E}">
         <p14:creationId xmlns:p14="http://schemas.microsoft.com/office/powerpoint/2010/main" val="2763525851"/>
+      </p:ext>
+    </p:extLst>
+  </p:cSld>
+  <p:clrMapOvr>
+    <a:masterClrMapping/>
+  </p:clrMapOvr>
+</p:sld>
+</file>
+
+<file path=ppt/slides/slide9.xml><?xml version="1.0" encoding="utf-8"?>
+<p:sld xmlns:a="http://schemas.openxmlformats.org/drawingml/2006/main" xmlns:r="http://schemas.openxmlformats.org/officeDocument/2006/relationships" xmlns:p="http://schemas.openxmlformats.org/presentationml/2006/main">
+  <p:cSld>
+    <p:spTree>
+      <p:nvGrpSpPr>
+        <p:cNvPr id="1" name=""/>
+        <p:cNvGrpSpPr/>
+        <p:nvPr/>
+      </p:nvGrpSpPr>
+      <p:grpSpPr>
+        <a:xfrm>
+          <a:off x="0" y="0"/>
+          <a:ext cx="0" cy="0"/>
+          <a:chOff x="0" y="0"/>
+          <a:chExt cx="0" cy="0"/>
+        </a:xfrm>
+      </p:grpSpPr>
+      <p:sp>
+        <p:nvSpPr>
+          <p:cNvPr id="2" name="Titel 1">
+            <a:extLst>
+              <a:ext uri="{FF2B5EF4-FFF2-40B4-BE49-F238E27FC236}">
+                <a16:creationId xmlns:a16="http://schemas.microsoft.com/office/drawing/2014/main" id="{DBC528C4-112C-2A07-4965-63283C40D8FB}"/>
+              </a:ext>
+            </a:extLst>
+          </p:cNvPr>
+          <p:cNvSpPr>
+            <a:spLocks noGrp="1"/>
+          </p:cNvSpPr>
+          <p:nvPr>
+            <p:ph type="title"/>
+          </p:nvPr>
+        </p:nvSpPr>
+        <p:spPr/>
+        <p:txBody>
+          <a:bodyPr/>
+          <a:lstStyle/>
+          <a:p>
+            <a:r>
+              <a:rPr lang="de-DE" dirty="0"/>
+              <a:t>Cloud u. </a:t>
+            </a:r>
+            <a:r>
+              <a:rPr lang="de-DE" dirty="0" err="1"/>
+              <a:t>cloud-naitve</a:t>
+            </a:r>
+            <a:endParaRPr lang="de-DE" dirty="0"/>
+          </a:p>
+        </p:txBody>
+      </p:sp>
+      <p:sp>
+        <p:nvSpPr>
+          <p:cNvPr id="4" name="Textfeld 3">
+            <a:extLst>
+              <a:ext uri="{FF2B5EF4-FFF2-40B4-BE49-F238E27FC236}">
+                <a16:creationId xmlns:a16="http://schemas.microsoft.com/office/drawing/2014/main" id="{24626263-D5B5-E31B-E411-C6D2F5D3BAB5}"/>
+              </a:ext>
+            </a:extLst>
+          </p:cNvPr>
+          <p:cNvSpPr txBox="1"/>
+          <p:nvPr/>
+        </p:nvSpPr>
+        <p:spPr>
+          <a:xfrm>
+            <a:off x="1312223" y="3046021"/>
+            <a:ext cx="7156511" cy="646331"/>
+          </a:xfrm>
+          <a:prstGeom prst="rect">
+            <a:avLst/>
+          </a:prstGeom>
+          <a:noFill/>
+        </p:spPr>
+        <p:txBody>
+          <a:bodyPr wrap="none" rtlCol="0">
+            <a:spAutoFit/>
+          </a:bodyPr>
+          <a:lstStyle/>
+          <a:p>
+            <a:r>
+              <a:rPr lang="de-DE" dirty="0"/>
+              <a:t>Cloud: wo werden unsere IT-Ressourcen verwaltet, wo arbeiten wir</a:t>
+            </a:r>
+          </a:p>
+          <a:p>
+            <a:r>
+              <a:rPr lang="de-DE" dirty="0"/>
+              <a:t>Cloud-</a:t>
+            </a:r>
+            <a:r>
+              <a:rPr lang="de-DE" dirty="0" err="1"/>
+              <a:t>Naitive</a:t>
+            </a:r>
+            <a:r>
+              <a:rPr lang="de-DE" dirty="0"/>
+              <a:t>: wie arbeiten wir</a:t>
+            </a:r>
+          </a:p>
+        </p:txBody>
+      </p:sp>
+    </p:spTree>
+    <p:extLst>
+      <p:ext uri="{BB962C8B-B14F-4D97-AF65-F5344CB8AC3E}">
+        <p14:creationId xmlns:p14="http://schemas.microsoft.com/office/powerpoint/2010/main" val="1149591019"/>
       </p:ext>
     </p:extLst>
   </p:cSld>
